--- a/powerpoint/RobocodeTutorial.pptx
+++ b/powerpoint/RobocodeTutorial.pptx
@@ -5,14 +5,13 @@
     <p:sldMasterId id="2147483648" r:id="rId1"/>
   </p:sldMasterIdLst>
   <p:notesMasterIdLst>
-    <p:notesMasterId r:id="rId7"/>
+    <p:notesMasterId r:id="rId6"/>
   </p:notesMasterIdLst>
   <p:sldIdLst>
     <p:sldId id="256" r:id="rId2"/>
     <p:sldId id="257" r:id="rId3"/>
     <p:sldId id="258" r:id="rId4"/>
     <p:sldId id="259" r:id="rId5"/>
-    <p:sldId id="260" r:id="rId6"/>
   </p:sldIdLst>
   <p:sldSz cx="12192000" cy="6858000"/>
   <p:notesSz cx="6858000" cy="9144000"/>
@@ -111,6 +110,11 @@
       </a:defRPr>
     </a:lvl9pPr>
   </p:defaultTextStyle>
+  <p:extLst>
+    <p:ext uri="{EFAFB233-063F-42B5-8137-9DF3F51BA10A}">
+      <p15:sldGuideLst xmlns:p15="http://schemas.microsoft.com/office/powerpoint/2012/main"/>
+    </p:ext>
+  </p:extLst>
 </p:presentation>
 </file>
 
@@ -196,7 +200,7 @@
           <a:p>
             <a:fld id="{14CA84E3-AD98-4D8E-941E-698A1A589F17}" type="datetimeFigureOut">
               <a:rPr lang="nl-BE" smtClean="0"/>
-              <a:t>16/10/2019</a:t>
+              <a:t>17/10/2019</a:t>
             </a:fld>
             <a:endParaRPr lang="nl-BE"/>
           </a:p>
@@ -874,7 +878,7 @@
           <a:p>
             <a:fld id="{00034D98-2E12-4B88-B687-6DC0ECC8235A}" type="datetimeFigureOut">
               <a:rPr lang="nl-BE" smtClean="0"/>
-              <a:t>16/10/2019</a:t>
+              <a:t>17/10/2019</a:t>
             </a:fld>
             <a:endParaRPr lang="nl-BE"/>
           </a:p>
@@ -1074,7 +1078,7 @@
           <a:p>
             <a:fld id="{00034D98-2E12-4B88-B687-6DC0ECC8235A}" type="datetimeFigureOut">
               <a:rPr lang="nl-BE" smtClean="0"/>
-              <a:t>16/10/2019</a:t>
+              <a:t>17/10/2019</a:t>
             </a:fld>
             <a:endParaRPr lang="nl-BE"/>
           </a:p>
@@ -1284,7 +1288,7 @@
           <a:p>
             <a:fld id="{00034D98-2E12-4B88-B687-6DC0ECC8235A}" type="datetimeFigureOut">
               <a:rPr lang="nl-BE" smtClean="0"/>
-              <a:t>16/10/2019</a:t>
+              <a:t>17/10/2019</a:t>
             </a:fld>
             <a:endParaRPr lang="nl-BE"/>
           </a:p>
@@ -1484,7 +1488,7 @@
           <a:p>
             <a:fld id="{00034D98-2E12-4B88-B687-6DC0ECC8235A}" type="datetimeFigureOut">
               <a:rPr lang="nl-BE" smtClean="0"/>
-              <a:t>16/10/2019</a:t>
+              <a:t>17/10/2019</a:t>
             </a:fld>
             <a:endParaRPr lang="nl-BE"/>
           </a:p>
@@ -1760,7 +1764,7 @@
           <a:p>
             <a:fld id="{00034D98-2E12-4B88-B687-6DC0ECC8235A}" type="datetimeFigureOut">
               <a:rPr lang="nl-BE" smtClean="0"/>
-              <a:t>16/10/2019</a:t>
+              <a:t>17/10/2019</a:t>
             </a:fld>
             <a:endParaRPr lang="nl-BE"/>
           </a:p>
@@ -2028,7 +2032,7 @@
           <a:p>
             <a:fld id="{00034D98-2E12-4B88-B687-6DC0ECC8235A}" type="datetimeFigureOut">
               <a:rPr lang="nl-BE" smtClean="0"/>
-              <a:t>16/10/2019</a:t>
+              <a:t>17/10/2019</a:t>
             </a:fld>
             <a:endParaRPr lang="nl-BE"/>
           </a:p>
@@ -2443,7 +2447,7 @@
           <a:p>
             <a:fld id="{00034D98-2E12-4B88-B687-6DC0ECC8235A}" type="datetimeFigureOut">
               <a:rPr lang="nl-BE" smtClean="0"/>
-              <a:t>16/10/2019</a:t>
+              <a:t>17/10/2019</a:t>
             </a:fld>
             <a:endParaRPr lang="nl-BE"/>
           </a:p>
@@ -2585,7 +2589,7 @@
           <a:p>
             <a:fld id="{00034D98-2E12-4B88-B687-6DC0ECC8235A}" type="datetimeFigureOut">
               <a:rPr lang="nl-BE" smtClean="0"/>
-              <a:t>16/10/2019</a:t>
+              <a:t>17/10/2019</a:t>
             </a:fld>
             <a:endParaRPr lang="nl-BE"/>
           </a:p>
@@ -2698,7 +2702,7 @@
           <a:p>
             <a:fld id="{00034D98-2E12-4B88-B687-6DC0ECC8235A}" type="datetimeFigureOut">
               <a:rPr lang="nl-BE" smtClean="0"/>
-              <a:t>16/10/2019</a:t>
+              <a:t>17/10/2019</a:t>
             </a:fld>
             <a:endParaRPr lang="nl-BE"/>
           </a:p>
@@ -3011,7 +3015,7 @@
           <a:p>
             <a:fld id="{00034D98-2E12-4B88-B687-6DC0ECC8235A}" type="datetimeFigureOut">
               <a:rPr lang="nl-BE" smtClean="0"/>
-              <a:t>16/10/2019</a:t>
+              <a:t>17/10/2019</a:t>
             </a:fld>
             <a:endParaRPr lang="nl-BE"/>
           </a:p>
@@ -3300,7 +3304,7 @@
           <a:p>
             <a:fld id="{00034D98-2E12-4B88-B687-6DC0ECC8235A}" type="datetimeFigureOut">
               <a:rPr lang="nl-BE" smtClean="0"/>
-              <a:t>16/10/2019</a:t>
+              <a:t>17/10/2019</a:t>
             </a:fld>
             <a:endParaRPr lang="nl-BE"/>
           </a:p>
@@ -3543,7 +3547,7 @@
           <a:p>
             <a:fld id="{00034D98-2E12-4B88-B687-6DC0ECC8235A}" type="datetimeFigureOut">
               <a:rPr lang="nl-BE" smtClean="0"/>
-              <a:t>16/10/2019</a:t>
+              <a:t>17/10/2019</a:t>
             </a:fld>
             <a:endParaRPr lang="nl-BE"/>
           </a:p>
@@ -4401,86 +4405,6 @@
     <p:extLst>
       <p:ext uri="{BB962C8B-B14F-4D97-AF65-F5344CB8AC3E}">
         <p14:creationId xmlns:p14="http://schemas.microsoft.com/office/powerpoint/2010/main" val="252238933"/>
-      </p:ext>
-    </p:extLst>
-  </p:cSld>
-  <p:clrMapOvr>
-    <a:masterClrMapping/>
-  </p:clrMapOvr>
-</p:sld>
-</file>
-
-<file path=ppt/slides/slide5.xml><?xml version="1.0" encoding="utf-8"?>
-<p:sld xmlns:a="http://schemas.openxmlformats.org/drawingml/2006/main" xmlns:r="http://schemas.openxmlformats.org/officeDocument/2006/relationships" xmlns:p="http://schemas.openxmlformats.org/presentationml/2006/main">
-  <p:cSld>
-    <p:spTree>
-      <p:nvGrpSpPr>
-        <p:cNvPr id="1" name=""/>
-        <p:cNvGrpSpPr/>
-        <p:nvPr/>
-      </p:nvGrpSpPr>
-      <p:grpSpPr>
-        <a:xfrm>
-          <a:off x="0" y="0"/>
-          <a:ext cx="0" cy="0"/>
-          <a:chOff x="0" y="0"/>
-          <a:chExt cx="0" cy="0"/>
-        </a:xfrm>
-      </p:grpSpPr>
-      <p:sp>
-        <p:nvSpPr>
-          <p:cNvPr id="2" name="Title 1">
-            <a:extLst>
-              <a:ext uri="{FF2B5EF4-FFF2-40B4-BE49-F238E27FC236}">
-                <a16:creationId xmlns:a16="http://schemas.microsoft.com/office/drawing/2014/main" id="{25783593-BA62-40F5-8A2D-89A73A943EF9}"/>
-              </a:ext>
-            </a:extLst>
-          </p:cNvPr>
-          <p:cNvSpPr>
-            <a:spLocks noGrp="1"/>
-          </p:cNvSpPr>
-          <p:nvPr>
-            <p:ph type="title"/>
-          </p:nvPr>
-        </p:nvSpPr>
-        <p:spPr/>
-        <p:txBody>
-          <a:bodyPr/>
-          <a:lstStyle/>
-          <a:p>
-            <a:endParaRPr lang="nl-BE" dirty="0"/>
-          </a:p>
-        </p:txBody>
-      </p:sp>
-      <p:sp>
-        <p:nvSpPr>
-          <p:cNvPr id="3" name="Content Placeholder 2">
-            <a:extLst>
-              <a:ext uri="{FF2B5EF4-FFF2-40B4-BE49-F238E27FC236}">
-                <a16:creationId xmlns:a16="http://schemas.microsoft.com/office/drawing/2014/main" id="{A3D69DD0-72CE-42FE-A8D2-AC507B5FAC5F}"/>
-              </a:ext>
-            </a:extLst>
-          </p:cNvPr>
-          <p:cNvSpPr>
-            <a:spLocks noGrp="1"/>
-          </p:cNvSpPr>
-          <p:nvPr>
-            <p:ph idx="1"/>
-          </p:nvPr>
-        </p:nvSpPr>
-        <p:spPr/>
-        <p:txBody>
-          <a:bodyPr/>
-          <a:lstStyle/>
-          <a:p>
-            <a:endParaRPr lang="nl-BE" dirty="0"/>
-          </a:p>
-        </p:txBody>
-      </p:sp>
-    </p:spTree>
-    <p:extLst>
-      <p:ext uri="{BB962C8B-B14F-4D97-AF65-F5344CB8AC3E}">
-        <p14:creationId xmlns:p14="http://schemas.microsoft.com/office/powerpoint/2010/main" val="355128477"/>
       </p:ext>
     </p:extLst>
   </p:cSld>
